--- a/Team Proposal PowerPoint.pptx
+++ b/Team Proposal PowerPoint.pptx
@@ -314,7 +314,7 @@
           <a:p>
             <a:fld id="{1160EA64-D806-43AC-9DF2-F8C432F32B4C}" type="datetimeFigureOut">
               <a:rPr lang="en-US" dirty="0"/>
-              <a:t>4/2/2020</a:t>
+              <a:t>4/3/2020</a:t>
             </a:fld>
             <a:endParaRPr lang="en-US" dirty="0"/>
           </a:p>
@@ -480,7 +480,7 @@
           <a:p>
             <a:fld id="{E9F9C37B-1D36-470B-8223-D6C91242EC14}" type="datetimeFigureOut">
               <a:rPr lang="en-US" dirty="0"/>
-              <a:t>4/2/2020</a:t>
+              <a:t>4/3/2020</a:t>
             </a:fld>
             <a:endParaRPr lang="en-US" dirty="0"/>
           </a:p>
@@ -655,7 +655,7 @@
           <a:p>
             <a:fld id="{67C6F52A-A82B-47A2-A83A-8C4C91F2D59F}" type="datetimeFigureOut">
               <a:rPr lang="en-US" dirty="0"/>
-              <a:t>4/2/2020</a:t>
+              <a:t>4/3/2020</a:t>
             </a:fld>
             <a:endParaRPr lang="en-US" dirty="0"/>
           </a:p>
@@ -820,7 +820,7 @@
           <a:p>
             <a:fld id="{F070A7B3-6521-4DCA-87E5-044747A908C1}" type="datetimeFigureOut">
               <a:rPr lang="en-US" dirty="0"/>
-              <a:t>4/2/2020</a:t>
+              <a:t>4/3/2020</a:t>
             </a:fld>
             <a:endParaRPr lang="en-US" dirty="0"/>
           </a:p>
@@ -1084,7 +1084,7 @@
           <a:p>
             <a:fld id="{1160EA64-D806-43AC-9DF2-F8C432F32B4C}" type="datetimeFigureOut">
               <a:rPr lang="en-US" dirty="0"/>
-              <a:t>4/2/2020</a:t>
+              <a:t>4/3/2020</a:t>
             </a:fld>
             <a:endParaRPr lang="en-US" dirty="0"/>
           </a:p>
@@ -1312,7 +1312,7 @@
           <a:p>
             <a:fld id="{AB134690-1557-4C89-A502-4959FE7FAD70}" type="datetimeFigureOut">
               <a:rPr lang="en-US" dirty="0"/>
-              <a:t>4/2/2020</a:t>
+              <a:t>4/3/2020</a:t>
             </a:fld>
             <a:endParaRPr lang="en-US" dirty="0"/>
           </a:p>
@@ -1666,7 +1666,7 @@
           <a:p>
             <a:fld id="{4F7D4976-E339-4826-83B7-FBD03F55ECF8}" type="datetimeFigureOut">
               <a:rPr lang="en-US" dirty="0"/>
-              <a:t>4/2/2020</a:t>
+              <a:t>4/3/2020</a:t>
             </a:fld>
             <a:endParaRPr lang="en-US" dirty="0"/>
           </a:p>
@@ -1802,7 +1802,7 @@
           <a:p>
             <a:fld id="{E1037C31-9E7A-4F99-8774-A0E530DE1A42}" type="datetimeFigureOut">
               <a:rPr lang="en-US" dirty="0"/>
-              <a:t>4/2/2020</a:t>
+              <a:t>4/3/2020</a:t>
             </a:fld>
             <a:endParaRPr lang="en-US" dirty="0"/>
           </a:p>
@@ -1892,7 +1892,7 @@
           <a:p>
             <a:fld id="{C278504F-A551-4DE0-9316-4DCD1D8CC752}" type="datetimeFigureOut">
               <a:rPr lang="en-US" dirty="0"/>
-              <a:t>4/2/2020</a:t>
+              <a:t>4/3/2020</a:t>
             </a:fld>
             <a:endParaRPr lang="en-US" dirty="0"/>
           </a:p>
@@ -2244,7 +2244,7 @@
           <a:p>
             <a:fld id="{D1BE4249-C0D0-4B06-8692-E8BB871AF643}" type="datetimeFigureOut">
               <a:rPr lang="en-US" dirty="0"/>
-              <a:t>4/2/2020</a:t>
+              <a:t>4/3/2020</a:t>
             </a:fld>
             <a:endParaRPr lang="en-US" dirty="0"/>
           </a:p>
@@ -2596,7 +2596,7 @@
           <a:p>
             <a:fld id="{042B0DB6-F5C7-45FB-8CF3-31B45F9C2DAC}" type="datetimeFigureOut">
               <a:rPr lang="en-US" dirty="0"/>
-              <a:t>4/2/2020</a:t>
+              <a:t>4/3/2020</a:t>
             </a:fld>
             <a:endParaRPr lang="en-US" dirty="0"/>
           </a:p>
@@ -2833,7 +2833,7 @@
           <a:p>
             <a:fld id="{1160EA64-D806-43AC-9DF2-F8C432F32B4C}" type="datetimeFigureOut">
               <a:rPr lang="en-US" dirty="0"/>
-              <a:t>4/2/2020</a:t>
+              <a:t>4/3/2020</a:t>
             </a:fld>
             <a:endParaRPr lang="en-US" dirty="0"/>
           </a:p>
@@ -6286,7 +6286,15 @@
             <a:pPr lvl="1"/>
             <a:r>
               <a:rPr lang="en-US" dirty="0"/>
-              <a:t>The game will load 53 images; one for the face of each card and one for an overturned card (as well as images for the gameplay space)</a:t>
+              <a:t>The game will load 5</a:t>
+            </a:r>
+            <a:r>
+              <a:rPr lang="en-US" altLang="zh-CN" dirty="0"/>
+              <a:t>2</a:t>
+            </a:r>
+            <a:r>
+              <a:rPr lang="en-US" dirty="0"/>
+              <a:t> images; one for the face of each card and one for an overturned card (as well as images for the gameplay space)</a:t>
             </a:r>
           </a:p>
           <a:p>
@@ -8451,6 +8459,21 @@
 </file>
 
 <file path=customXml/item1.xml><?xml version="1.0" encoding="utf-8"?>
+<p:properties xmlns:p="http://schemas.microsoft.com/office/2006/metadata/properties" xmlns:xsi="http://www.w3.org/2001/XMLSchema-instance" xmlns:pc="http://schemas.microsoft.com/office/infopath/2007/PartnerControls">
+  <documentManagement/>
+</p:properties>
+</file>
+
+<file path=customXml/item2.xml><?xml version="1.0" encoding="utf-8"?>
+<?mso-contentType ?>
+<FormTemplates xmlns="http://schemas.microsoft.com/sharepoint/v3/contenttype/forms">
+  <Display>DocumentLibraryForm</Display>
+  <Edit>DocumentLibraryForm</Edit>
+  <New>DocumentLibraryForm</New>
+</FormTemplates>
+</file>
+
+<file path=customXml/item3.xml><?xml version="1.0" encoding="utf-8"?>
 <ct:contentTypeSchema xmlns:ct="http://schemas.microsoft.com/office/2006/metadata/contentType" xmlns:ma="http://schemas.microsoft.com/office/2006/metadata/properties/metaAttributes" ct:_="" ma:_="" ma:contentTypeName="Document" ma:contentTypeID="0x010100D6C6E1470D66A94883AB4D50145586E7" ma:contentTypeVersion="4" ma:contentTypeDescription="Create a new document." ma:contentTypeScope="" ma:versionID="95707c5655d82b2e785d127696bca203">
   <xsd:schema xmlns:xsd="http://www.w3.org/2001/XMLSchema" xmlns:xs="http://www.w3.org/2001/XMLSchema" xmlns:p="http://schemas.microsoft.com/office/2006/metadata/properties" xmlns:ns3="863b01d5-ee2e-473a-aa41-ba24bec6c037" targetNamespace="http://schemas.microsoft.com/office/2006/metadata/properties" ma:root="true" ma:fieldsID="0e0077dec28cf41f98694067948a3c32" ns3:_="">
     <xsd:import namespace="863b01d5-ee2e-473a-aa41-ba24bec6c037"/>
@@ -8596,22 +8619,31 @@
 </ct:contentTypeSchema>
 </file>
 
-<file path=customXml/item2.xml><?xml version="1.0" encoding="utf-8"?>
-<?mso-contentType ?>
-<FormTemplates xmlns="http://schemas.microsoft.com/sharepoint/v3/contenttype/forms">
-  <Display>DocumentLibraryForm</Display>
-  <Edit>DocumentLibraryForm</Edit>
-  <New>DocumentLibraryForm</New>
-</FormTemplates>
+<file path=customXml/itemProps1.xml><?xml version="1.0" encoding="utf-8"?>
+<ds:datastoreItem xmlns:ds="http://schemas.openxmlformats.org/officeDocument/2006/customXml" ds:itemID="{3B2CC1B9-F298-41C4-A591-C64C59CC2379}">
+  <ds:schemaRefs>
+    <ds:schemaRef ds:uri="http://schemas.microsoft.com/office/2006/documentManagement/types"/>
+    <ds:schemaRef ds:uri="863b01d5-ee2e-473a-aa41-ba24bec6c037"/>
+    <ds:schemaRef ds:uri="http://purl.org/dc/elements/1.1/"/>
+    <ds:schemaRef ds:uri="http://purl.org/dc/dcmitype/"/>
+    <ds:schemaRef ds:uri="http://schemas.openxmlformats.org/package/2006/metadata/core-properties"/>
+    <ds:schemaRef ds:uri="http://www.w3.org/XML/1998/namespace"/>
+    <ds:schemaRef ds:uri="http://schemas.microsoft.com/office/infopath/2007/PartnerControls"/>
+    <ds:schemaRef ds:uri="http://schemas.microsoft.com/office/2006/metadata/properties"/>
+    <ds:schemaRef ds:uri="http://purl.org/dc/terms/"/>
+  </ds:schemaRefs>
+</ds:datastoreItem>
 </file>
 
-<file path=customXml/item3.xml><?xml version="1.0" encoding="utf-8"?>
-<p:properties xmlns:p="http://schemas.microsoft.com/office/2006/metadata/properties" xmlns:xsi="http://www.w3.org/2001/XMLSchema-instance" xmlns:pc="http://schemas.microsoft.com/office/infopath/2007/PartnerControls">
-  <documentManagement/>
-</p:properties>
+<file path=customXml/itemProps2.xml><?xml version="1.0" encoding="utf-8"?>
+<ds:datastoreItem xmlns:ds="http://schemas.openxmlformats.org/officeDocument/2006/customXml" ds:itemID="{8C190497-32B0-42FC-8D41-EF00240FD533}">
+  <ds:schemaRefs>
+    <ds:schemaRef ds:uri="http://schemas.microsoft.com/sharepoint/v3/contenttype/forms"/>
+  </ds:schemaRefs>
+</ds:datastoreItem>
 </file>
 
-<file path=customXml/itemProps1.xml><?xml version="1.0" encoding="utf-8"?>
+<file path=customXml/itemProps3.xml><?xml version="1.0" encoding="utf-8"?>
 <ds:datastoreItem xmlns:ds="http://schemas.openxmlformats.org/officeDocument/2006/customXml" ds:itemID="{4CDE5512-677D-4466-B21E-97523F4B806C}">
   <ds:schemaRefs>
     <ds:schemaRef ds:uri="http://schemas.microsoft.com/office/2006/metadata/contentType"/>
@@ -8627,28 +8659,4 @@
     <ds:schemaRef ds:uri="http://schemas.microsoft.com/internal/obd"/>
   </ds:schemaRefs>
 </ds:datastoreItem>
-</file>
-
-<file path=customXml/itemProps2.xml><?xml version="1.0" encoding="utf-8"?>
-<ds:datastoreItem xmlns:ds="http://schemas.openxmlformats.org/officeDocument/2006/customXml" ds:itemID="{8C190497-32B0-42FC-8D41-EF00240FD533}">
-  <ds:schemaRefs>
-    <ds:schemaRef ds:uri="http://schemas.microsoft.com/sharepoint/v3/contenttype/forms"/>
-  </ds:schemaRefs>
-</ds:datastoreItem>
-</file>
-
-<file path=customXml/itemProps3.xml><?xml version="1.0" encoding="utf-8"?>
-<ds:datastoreItem xmlns:ds="http://schemas.openxmlformats.org/officeDocument/2006/customXml" ds:itemID="{3B2CC1B9-F298-41C4-A591-C64C59CC2379}">
-  <ds:schemaRefs>
-    <ds:schemaRef ds:uri="http://schemas.microsoft.com/office/2006/documentManagement/types"/>
-    <ds:schemaRef ds:uri="863b01d5-ee2e-473a-aa41-ba24bec6c037"/>
-    <ds:schemaRef ds:uri="http://purl.org/dc/elements/1.1/"/>
-    <ds:schemaRef ds:uri="http://purl.org/dc/dcmitype/"/>
-    <ds:schemaRef ds:uri="http://schemas.openxmlformats.org/package/2006/metadata/core-properties"/>
-    <ds:schemaRef ds:uri="http://www.w3.org/XML/1998/namespace"/>
-    <ds:schemaRef ds:uri="http://schemas.microsoft.com/office/infopath/2007/PartnerControls"/>
-    <ds:schemaRef ds:uri="http://schemas.microsoft.com/office/2006/metadata/properties"/>
-    <ds:schemaRef ds:uri="http://purl.org/dc/terms/"/>
-  </ds:schemaRefs>
-</ds:datastoreItem>
 </file>